--- a/EFI/Bootloader/Settings/icon/IconEditor/Windows.pptx
+++ b/EFI/Bootloader/Settings/icon/IconEditor/Windows.pptx
@@ -5,15 +5,16 @@
     <p:sldMasterId id="2147483648" r:id="rId1"/>
   </p:sldMasterIdLst>
   <p:notesMasterIdLst>
-    <p:notesMasterId r:id="rId8"/>
+    <p:notesMasterId r:id="rId9"/>
   </p:notesMasterIdLst>
   <p:sldIdLst>
     <p:sldId id="273" r:id="rId2"/>
     <p:sldId id="268" r:id="rId3"/>
     <p:sldId id="269" r:id="rId4"/>
     <p:sldId id="270" r:id="rId5"/>
-    <p:sldId id="271" r:id="rId6"/>
-    <p:sldId id="272" r:id="rId7"/>
+    <p:sldId id="274" r:id="rId6"/>
+    <p:sldId id="271" r:id="rId7"/>
+    <p:sldId id="272" r:id="rId8"/>
   </p:sldIdLst>
   <p:sldSz cx="2438400" cy="2438400"/>
   <p:notesSz cx="6858000" cy="9144000"/>
@@ -121,6 +122,7 @@
             <p14:sldId id="268"/>
             <p14:sldId id="269"/>
             <p14:sldId id="270"/>
+            <p14:sldId id="274"/>
             <p14:sldId id="271"/>
             <p14:sldId id="272"/>
           </p14:sldIdLst>
@@ -216,7 +218,7 @@
           <a:p>
             <a:fld id="{963033C0-5CE6-43B5-824E-825800F4D89A}" type="datetimeFigureOut">
               <a:rPr lang="zh-CN" altLang="en-US" smtClean="0"/>
-              <a:t>2023-2-27</a:t>
+              <a:t>2023-2-28</a:t>
             </a:fld>
             <a:endParaRPr lang="zh-CN" altLang="en-US"/>
           </a:p>
@@ -881,7 +883,7 @@
           <a:p>
             <a:r>
               <a:rPr lang="en-US" altLang="zh-CN" dirty="0"/>
-              <a:t>PNG Win7</a:t>
+              <a:t>Editor Win7</a:t>
             </a:r>
             <a:endParaRPr lang="zh-CN" altLang="en-US" dirty="0"/>
           </a:p>
@@ -913,7 +915,7 @@
     </p:spTree>
     <p:extLst>
       <p:ext uri="{BB962C8B-B14F-4D97-AF65-F5344CB8AC3E}">
-        <p14:creationId xmlns:p14="http://schemas.microsoft.com/office/powerpoint/2010/main" val="1124321937"/>
+        <p14:creationId xmlns:p14="http://schemas.microsoft.com/office/powerpoint/2010/main" val="4230462426"/>
       </p:ext>
     </p:extLst>
   </p:cSld>
@@ -969,7 +971,7 @@
           <a:p>
             <a:r>
               <a:rPr lang="en-US" altLang="zh-CN" dirty="0"/>
-              <a:t>PNG Vista</a:t>
+              <a:t>PNG Win7</a:t>
             </a:r>
             <a:endParaRPr lang="zh-CN" altLang="en-US" dirty="0"/>
           </a:p>
@@ -993,6 +995,94 @@
             <a:fld id="{C221E4B7-236D-4111-B769-FD4E3E28BE4E}" type="slidenum">
               <a:rPr lang="zh-CN" altLang="en-US" smtClean="0"/>
               <a:t>6</a:t>
+            </a:fld>
+            <a:endParaRPr lang="zh-CN" altLang="en-US"/>
+          </a:p>
+        </p:txBody>
+      </p:sp>
+    </p:spTree>
+    <p:extLst>
+      <p:ext uri="{BB962C8B-B14F-4D97-AF65-F5344CB8AC3E}">
+        <p14:creationId xmlns:p14="http://schemas.microsoft.com/office/powerpoint/2010/main" val="1124321937"/>
+      </p:ext>
+    </p:extLst>
+  </p:cSld>
+  <p:clrMapOvr>
+    <a:masterClrMapping/>
+  </p:clrMapOvr>
+</p:notes>
+</file>
+
+<file path=ppt/notesSlides/notesSlide7.xml><?xml version="1.0" encoding="utf-8"?>
+<p:notes xmlns:a="http://schemas.openxmlformats.org/drawingml/2006/main" xmlns:r="http://schemas.openxmlformats.org/officeDocument/2006/relationships" xmlns:p="http://schemas.openxmlformats.org/presentationml/2006/main">
+  <p:cSld>
+    <p:spTree>
+      <p:nvGrpSpPr>
+        <p:cNvPr id="1" name=""/>
+        <p:cNvGrpSpPr/>
+        <p:nvPr/>
+      </p:nvGrpSpPr>
+      <p:grpSpPr>
+        <a:xfrm>
+          <a:off x="0" y="0"/>
+          <a:ext cx="0" cy="0"/>
+          <a:chOff x="0" y="0"/>
+          <a:chExt cx="0" cy="0"/>
+        </a:xfrm>
+      </p:grpSpPr>
+      <p:sp>
+        <p:nvSpPr>
+          <p:cNvPr id="2" name="幻灯片图像占位符 1"/>
+          <p:cNvSpPr>
+            <a:spLocks noGrp="1" noRot="1" noChangeAspect="1"/>
+          </p:cNvSpPr>
+          <p:nvPr>
+            <p:ph type="sldImg"/>
+          </p:nvPr>
+        </p:nvSpPr>
+        <p:spPr/>
+      </p:sp>
+      <p:sp>
+        <p:nvSpPr>
+          <p:cNvPr id="3" name="备注占位符 2"/>
+          <p:cNvSpPr>
+            <a:spLocks noGrp="1"/>
+          </p:cNvSpPr>
+          <p:nvPr>
+            <p:ph type="body" idx="1"/>
+          </p:nvPr>
+        </p:nvSpPr>
+        <p:spPr/>
+        <p:txBody>
+          <a:bodyPr/>
+          <a:lstStyle/>
+          <a:p>
+            <a:r>
+              <a:rPr lang="en-US" altLang="zh-CN" dirty="0"/>
+              <a:t>PNG Vista</a:t>
+            </a:r>
+            <a:endParaRPr lang="zh-CN" altLang="en-US" dirty="0"/>
+          </a:p>
+        </p:txBody>
+      </p:sp>
+      <p:sp>
+        <p:nvSpPr>
+          <p:cNvPr id="4" name="灯片编号占位符 3"/>
+          <p:cNvSpPr>
+            <a:spLocks noGrp="1"/>
+          </p:cNvSpPr>
+          <p:nvPr>
+            <p:ph type="sldNum" sz="quarter" idx="5"/>
+          </p:nvPr>
+        </p:nvSpPr>
+        <p:spPr/>
+        <p:txBody>
+          <a:bodyPr/>
+          <a:lstStyle/>
+          <a:p>
+            <a:fld id="{C221E4B7-236D-4111-B769-FD4E3E28BE4E}" type="slidenum">
+              <a:rPr lang="zh-CN" altLang="en-US" smtClean="0"/>
+              <a:t>7</a:t>
             </a:fld>
             <a:endParaRPr lang="zh-CN" altLang="en-US"/>
           </a:p>
@@ -1158,7 +1248,7 @@
           <a:p>
             <a:fld id="{6786A9BE-9AB0-4816-9C4A-E57E7110ABF7}" type="datetimeFigureOut">
               <a:rPr lang="zh-CN" altLang="en-US" smtClean="0"/>
-              <a:t>2023-2-27</a:t>
+              <a:t>2023-2-28</a:t>
             </a:fld>
             <a:endParaRPr lang="zh-CN" altLang="en-US"/>
           </a:p>
@@ -1356,7 +1446,7 @@
           <a:p>
             <a:fld id="{6786A9BE-9AB0-4816-9C4A-E57E7110ABF7}" type="datetimeFigureOut">
               <a:rPr lang="zh-CN" altLang="en-US" smtClean="0"/>
-              <a:t>2023-2-27</a:t>
+              <a:t>2023-2-28</a:t>
             </a:fld>
             <a:endParaRPr lang="zh-CN" altLang="en-US"/>
           </a:p>
@@ -1564,7 +1654,7 @@
           <a:p>
             <a:fld id="{6786A9BE-9AB0-4816-9C4A-E57E7110ABF7}" type="datetimeFigureOut">
               <a:rPr lang="zh-CN" altLang="en-US" smtClean="0"/>
-              <a:t>2023-2-27</a:t>
+              <a:t>2023-2-28</a:t>
             </a:fld>
             <a:endParaRPr lang="zh-CN" altLang="en-US"/>
           </a:p>
@@ -1762,7 +1852,7 @@
           <a:p>
             <a:fld id="{6786A9BE-9AB0-4816-9C4A-E57E7110ABF7}" type="datetimeFigureOut">
               <a:rPr lang="zh-CN" altLang="en-US" smtClean="0"/>
-              <a:t>2023-2-27</a:t>
+              <a:t>2023-2-28</a:t>
             </a:fld>
             <a:endParaRPr lang="zh-CN" altLang="en-US"/>
           </a:p>
@@ -2037,7 +2127,7 @@
           <a:p>
             <a:fld id="{6786A9BE-9AB0-4816-9C4A-E57E7110ABF7}" type="datetimeFigureOut">
               <a:rPr lang="zh-CN" altLang="en-US" smtClean="0"/>
-              <a:t>2023-2-27</a:t>
+              <a:t>2023-2-28</a:t>
             </a:fld>
             <a:endParaRPr lang="zh-CN" altLang="en-US"/>
           </a:p>
@@ -2302,7 +2392,7 @@
           <a:p>
             <a:fld id="{6786A9BE-9AB0-4816-9C4A-E57E7110ABF7}" type="datetimeFigureOut">
               <a:rPr lang="zh-CN" altLang="en-US" smtClean="0"/>
-              <a:t>2023-2-27</a:t>
+              <a:t>2023-2-28</a:t>
             </a:fld>
             <a:endParaRPr lang="zh-CN" altLang="en-US"/>
           </a:p>
@@ -2714,7 +2804,7 @@
           <a:p>
             <a:fld id="{6786A9BE-9AB0-4816-9C4A-E57E7110ABF7}" type="datetimeFigureOut">
               <a:rPr lang="zh-CN" altLang="en-US" smtClean="0"/>
-              <a:t>2023-2-27</a:t>
+              <a:t>2023-2-28</a:t>
             </a:fld>
             <a:endParaRPr lang="zh-CN" altLang="en-US"/>
           </a:p>
@@ -2855,7 +2945,7 @@
           <a:p>
             <a:fld id="{6786A9BE-9AB0-4816-9C4A-E57E7110ABF7}" type="datetimeFigureOut">
               <a:rPr lang="zh-CN" altLang="en-US" smtClean="0"/>
-              <a:t>2023-2-27</a:t>
+              <a:t>2023-2-28</a:t>
             </a:fld>
             <a:endParaRPr lang="zh-CN" altLang="en-US"/>
           </a:p>
@@ -2968,7 +3058,7 @@
           <a:p>
             <a:fld id="{6786A9BE-9AB0-4816-9C4A-E57E7110ABF7}" type="datetimeFigureOut">
               <a:rPr lang="zh-CN" altLang="en-US" smtClean="0"/>
-              <a:t>2023-2-27</a:t>
+              <a:t>2023-2-28</a:t>
             </a:fld>
             <a:endParaRPr lang="zh-CN" altLang="en-US"/>
           </a:p>
@@ -3279,7 +3369,7 @@
           <a:p>
             <a:fld id="{6786A9BE-9AB0-4816-9C4A-E57E7110ABF7}" type="datetimeFigureOut">
               <a:rPr lang="zh-CN" altLang="en-US" smtClean="0"/>
-              <a:t>2023-2-27</a:t>
+              <a:t>2023-2-28</a:t>
             </a:fld>
             <a:endParaRPr lang="zh-CN" altLang="en-US"/>
           </a:p>
@@ -3567,7 +3657,7 @@
           <a:p>
             <a:fld id="{6786A9BE-9AB0-4816-9C4A-E57E7110ABF7}" type="datetimeFigureOut">
               <a:rPr lang="zh-CN" altLang="en-US" smtClean="0"/>
-              <a:t>2023-2-27</a:t>
+              <a:t>2023-2-28</a:t>
             </a:fld>
             <a:endParaRPr lang="zh-CN" altLang="en-US"/>
           </a:p>
@@ -3811,7 +3901,7 @@
           <a:p>
             <a:fld id="{6786A9BE-9AB0-4816-9C4A-E57E7110ABF7}" type="datetimeFigureOut">
               <a:rPr lang="zh-CN" altLang="en-US" smtClean="0"/>
-              <a:t>2023-2-27</a:t>
+              <a:t>2023-2-28</a:t>
             </a:fld>
             <a:endParaRPr lang="zh-CN" altLang="en-US"/>
           </a:p>
@@ -4492,12 +4582,151 @@
           <a:chExt cx="0" cy="0"/>
         </a:xfrm>
       </p:grpSpPr>
+      <p:grpSp>
+        <p:nvGrpSpPr>
+          <p:cNvPr id="7" name="组合 6">
+            <a:extLst>
+              <a:ext uri="{FF2B5EF4-FFF2-40B4-BE49-F238E27FC236}">
+                <a16:creationId xmlns:a16="http://schemas.microsoft.com/office/drawing/2014/main" id="{79CDCE5F-59A3-816E-B33F-8C3B88703B33}"/>
+              </a:ext>
+            </a:extLst>
+          </p:cNvPr>
+          <p:cNvGrpSpPr/>
+          <p:nvPr/>
+        </p:nvGrpSpPr>
+        <p:grpSpPr>
+          <a:xfrm>
+            <a:off x="50180" y="50180"/>
+            <a:ext cx="2338040" cy="2338040"/>
+            <a:chOff x="104078" y="104078"/>
+            <a:chExt cx="2230243" cy="2230243"/>
+          </a:xfrm>
+        </p:grpSpPr>
+        <p:sp>
+          <p:nvSpPr>
+            <p:cNvPr id="3" name="椭圆 2">
+              <a:extLst>
+                <a:ext uri="{FF2B5EF4-FFF2-40B4-BE49-F238E27FC236}">
+                  <a16:creationId xmlns:a16="http://schemas.microsoft.com/office/drawing/2014/main" id="{9580B555-9110-8F73-E7E6-8E9D2EB0E47D}"/>
+                </a:ext>
+              </a:extLst>
+            </p:cNvPr>
+            <p:cNvSpPr/>
+            <p:nvPr/>
+          </p:nvSpPr>
+          <p:spPr>
+            <a:xfrm>
+              <a:off x="104078" y="104078"/>
+              <a:ext cx="2230243" cy="2230243"/>
+            </a:xfrm>
+            <a:prstGeom prst="ellipse">
+              <a:avLst/>
+            </a:prstGeom>
+            <a:solidFill>
+              <a:srgbClr val="3B6B8F"/>
+            </a:solidFill>
+            <a:ln>
+              <a:noFill/>
+            </a:ln>
+          </p:spPr>
+          <p:style>
+            <a:lnRef idx="2">
+              <a:schemeClr val="accent1">
+                <a:shade val="50000"/>
+              </a:schemeClr>
+            </a:lnRef>
+            <a:fillRef idx="1">
+              <a:schemeClr val="accent1"/>
+            </a:fillRef>
+            <a:effectRef idx="0">
+              <a:schemeClr val="accent1"/>
+            </a:effectRef>
+            <a:fontRef idx="minor">
+              <a:schemeClr val="lt1"/>
+            </a:fontRef>
+          </p:style>
+          <p:txBody>
+            <a:bodyPr rtlCol="0" anchor="ctr"/>
+            <a:lstStyle/>
+            <a:p>
+              <a:pPr algn="ctr"/>
+              <a:endParaRPr lang="zh-CN" altLang="en-US"/>
+            </a:p>
+          </p:txBody>
+        </p:sp>
+        <p:pic>
+          <p:nvPicPr>
+            <p:cNvPr id="5" name="图片 4">
+              <a:extLst>
+                <a:ext uri="{FF2B5EF4-FFF2-40B4-BE49-F238E27FC236}">
+                  <a16:creationId xmlns:a16="http://schemas.microsoft.com/office/drawing/2014/main" id="{1E1A96E7-26B0-CBE7-06ED-9AD678FA0015}"/>
+                </a:ext>
+              </a:extLst>
+            </p:cNvPr>
+            <p:cNvPicPr>
+              <a:picLocks noChangeAspect="1"/>
+            </p:cNvPicPr>
+            <p:nvPr/>
+          </p:nvPicPr>
+          <p:blipFill>
+            <a:blip r:embed="rId3">
+              <a:extLst>
+                <a:ext uri="{28A0092B-C50C-407E-A947-70E740481C1C}">
+                  <a14:useLocalDpi xmlns:a14="http://schemas.microsoft.com/office/drawing/2010/main" val="0"/>
+                </a:ext>
+              </a:extLst>
+            </a:blip>
+            <a:stretch>
+              <a:fillRect/>
+            </a:stretch>
+          </p:blipFill>
+          <p:spPr>
+            <a:xfrm>
+              <a:off x="458592" y="413988"/>
+              <a:ext cx="1521213" cy="1521213"/>
+            </a:xfrm>
+            <a:prstGeom prst="rect">
+              <a:avLst/>
+            </a:prstGeom>
+          </p:spPr>
+        </p:pic>
+      </p:grpSp>
+    </p:spTree>
+    <p:extLst>
+      <p:ext uri="{BB962C8B-B14F-4D97-AF65-F5344CB8AC3E}">
+        <p14:creationId xmlns:p14="http://schemas.microsoft.com/office/powerpoint/2010/main" val="2411202632"/>
+      </p:ext>
+    </p:extLst>
+  </p:cSld>
+  <p:clrMapOvr>
+    <a:masterClrMapping/>
+  </p:clrMapOvr>
+</p:sld>
+</file>
+
+<file path=ppt/slides/slide6.xml><?xml version="1.0" encoding="utf-8"?>
+<p:sld xmlns:a="http://schemas.openxmlformats.org/drawingml/2006/main" xmlns:r="http://schemas.openxmlformats.org/officeDocument/2006/relationships" xmlns:p="http://schemas.openxmlformats.org/presentationml/2006/main">
+  <p:cSld>
+    <p:spTree>
+      <p:nvGrpSpPr>
+        <p:cNvPr id="1" name=""/>
+        <p:cNvGrpSpPr/>
+        <p:nvPr/>
+      </p:nvGrpSpPr>
+      <p:grpSpPr>
+        <a:xfrm>
+          <a:off x="0" y="0"/>
+          <a:ext cx="0" cy="0"/>
+          <a:chOff x="0" y="0"/>
+          <a:chExt cx="0" cy="0"/>
+        </a:xfrm>
+      </p:grpSpPr>
       <p:pic>
         <p:nvPicPr>
-          <p:cNvPr id="3" name="图片 2">
-            <a:extLst>
-              <a:ext uri="{FF2B5EF4-FFF2-40B4-BE49-F238E27FC236}">
-                <a16:creationId xmlns:a16="http://schemas.microsoft.com/office/drawing/2014/main" id="{D918A13E-7C79-1628-0B01-D657591D7E79}"/>
+          <p:cNvPr id="6" name="图片 5">
+            <a:extLst>
+              <a:ext uri="{FF2B5EF4-FFF2-40B4-BE49-F238E27FC236}">
+                <a16:creationId xmlns:a16="http://schemas.microsoft.com/office/drawing/2014/main" id="{86C93C88-2C5D-5B3E-FE48-CEC4F4123C99}"/>
               </a:ext>
             </a:extLst>
           </p:cNvPr>
@@ -4541,7 +4770,7 @@
 </p:sld>
 </file>
 
-<file path=ppt/slides/slide6.xml><?xml version="1.0" encoding="utf-8"?>
+<file path=ppt/slides/slide7.xml><?xml version="1.0" encoding="utf-8"?>
 <p:sld xmlns:a="http://schemas.openxmlformats.org/drawingml/2006/main" xmlns:r="http://schemas.openxmlformats.org/officeDocument/2006/relationships" xmlns:p="http://schemas.openxmlformats.org/presentationml/2006/main">
   <p:cSld>
     <p:spTree>
